--- a/Tesis/Tesis Duva Diapo.pptx
+++ b/Tesis/Tesis Duva Diapo.pptx
@@ -11436,7 +11436,7 @@
         </p:nvSpPr>
         <p:spPr>
           <a:xfrm>
-            <a:off x="1173480" y="183740"/>
+            <a:off x="1173480" y="321764"/>
             <a:ext cx="10058400" cy="923331"/>
           </a:xfrm>
         </p:spPr>
@@ -13066,7 +13066,7 @@
         </p:nvSpPr>
         <p:spPr>
           <a:xfrm>
-            <a:off x="944880" y="739302"/>
+            <a:off x="944880" y="911832"/>
             <a:ext cx="10058400" cy="1327242"/>
           </a:xfrm>
         </p:spPr>
@@ -13114,8 +13114,8 @@
         </p:nvSpPr>
         <p:spPr>
           <a:xfrm>
-            <a:off x="838200" y="2194560"/>
-            <a:ext cx="10058400" cy="4419600"/>
+            <a:off x="838200" y="2453355"/>
+            <a:ext cx="10058400" cy="3630837"/>
           </a:xfrm>
         </p:spPr>
         <p:txBody>
@@ -13231,7 +13231,7 @@
         </p:nvSpPr>
         <p:spPr>
           <a:xfrm>
-            <a:off x="842966" y="153892"/>
+            <a:off x="842966" y="240157"/>
             <a:ext cx="10506067" cy="1609344"/>
           </a:xfrm>
         </p:spPr>
@@ -13263,7 +13263,7 @@
         </p:nvSpPr>
         <p:spPr bwMode="gray">
           <a:xfrm>
-            <a:off x="3200399" y="1982821"/>
+            <a:off x="3200399" y="2120845"/>
             <a:ext cx="5791200" cy="574675"/>
           </a:xfrm>
           <a:prstGeom prst="roundRect">
@@ -13377,7 +13377,7 @@
         </p:nvGrpSpPr>
         <p:grpSpPr>
           <a:xfrm>
-            <a:off x="3217862" y="2773396"/>
+            <a:off x="3217862" y="2911420"/>
             <a:ext cx="5759450" cy="2638425"/>
             <a:chOff x="3217862" y="2773396"/>
             <a:chExt cx="5759450" cy="2638425"/>
@@ -13567,7 +13567,7 @@
         </p:nvGrpSpPr>
         <p:grpSpPr>
           <a:xfrm>
-            <a:off x="2405062" y="4559334"/>
+            <a:off x="2405062" y="4697358"/>
             <a:ext cx="1544637" cy="1690687"/>
             <a:chOff x="2405062" y="4559334"/>
             <a:chExt cx="1544637" cy="1690687"/>
@@ -14055,7 +14055,7 @@
         </p:nvGrpSpPr>
         <p:grpSpPr>
           <a:xfrm>
-            <a:off x="4343399" y="4559334"/>
+            <a:off x="4343399" y="4697358"/>
             <a:ext cx="1544638" cy="1690687"/>
             <a:chOff x="4343399" y="4559334"/>
             <a:chExt cx="1544638" cy="1690687"/>
@@ -14556,7 +14556,7 @@
         </p:nvGrpSpPr>
         <p:grpSpPr>
           <a:xfrm>
-            <a:off x="6241210" y="4559334"/>
+            <a:off x="6241210" y="4697358"/>
             <a:ext cx="1698440" cy="1690687"/>
             <a:chOff x="6241210" y="4559334"/>
             <a:chExt cx="1698440" cy="1690687"/>
@@ -15078,7 +15078,7 @@
         </p:nvGrpSpPr>
         <p:grpSpPr>
           <a:xfrm>
-            <a:off x="8228264" y="4559334"/>
+            <a:off x="8228264" y="4697358"/>
             <a:ext cx="1698440" cy="1690687"/>
             <a:chOff x="8228264" y="4559334"/>
             <a:chExt cx="1698440" cy="1690687"/>
@@ -16000,7 +16000,7 @@
         </p:nvSpPr>
         <p:spPr>
           <a:xfrm>
-            <a:off x="842966" y="153892"/>
+            <a:off x="842965" y="271707"/>
             <a:ext cx="10506067" cy="1609344"/>
           </a:xfrm>
         </p:spPr>
@@ -16032,7 +16032,7 @@
         </p:nvGrpSpPr>
         <p:grpSpPr bwMode="auto">
           <a:xfrm>
-            <a:off x="3987523" y="4764932"/>
+            <a:off x="3987523" y="4954715"/>
             <a:ext cx="1439863" cy="1439863"/>
             <a:chOff x="2789" y="1625"/>
             <a:chExt cx="907" cy="907"/>
@@ -16750,7 +16750,7 @@
         </p:nvSpPr>
         <p:spPr bwMode="gray">
           <a:xfrm rot="10800000">
-            <a:off x="7264123" y="3012332"/>
+            <a:off x="7264123" y="3202115"/>
             <a:ext cx="609600" cy="457200"/>
           </a:xfrm>
           <a:prstGeom prst="leftArrow">
@@ -16824,7 +16824,7 @@
         </p:nvSpPr>
         <p:spPr bwMode="gray">
           <a:xfrm rot="17914860">
-            <a:off x="4978123" y="4307732"/>
+            <a:off x="4978123" y="4497515"/>
             <a:ext cx="609600" cy="457200"/>
           </a:xfrm>
           <a:prstGeom prst="leftArrow">
@@ -16898,7 +16898,7 @@
         </p:nvSpPr>
         <p:spPr bwMode="gray">
           <a:xfrm>
-            <a:off x="4292323" y="3012332"/>
+            <a:off x="4292323" y="3202115"/>
             <a:ext cx="609600" cy="457200"/>
           </a:xfrm>
           <a:prstGeom prst="leftArrow">
@@ -16973,7 +16973,7 @@
         </p:nvSpPr>
         <p:spPr bwMode="gray">
           <a:xfrm rot="13815450">
-            <a:off x="6578323" y="4307732"/>
+            <a:off x="6578323" y="4497515"/>
             <a:ext cx="609600" cy="457200"/>
           </a:xfrm>
           <a:prstGeom prst="leftArrow">
@@ -17047,7 +17047,7 @@
         </p:nvGrpSpPr>
         <p:grpSpPr bwMode="auto">
           <a:xfrm>
-            <a:off x="2692123" y="2478932"/>
+            <a:off x="2692123" y="2668715"/>
             <a:ext cx="1446213" cy="1524000"/>
             <a:chOff x="884" y="2523"/>
             <a:chExt cx="862" cy="862"/>
@@ -17742,7 +17742,7 @@
         </p:nvGrpSpPr>
         <p:grpSpPr bwMode="auto">
           <a:xfrm>
-            <a:off x="4906961" y="2168447"/>
+            <a:off x="4906961" y="2358230"/>
             <a:ext cx="2378075" cy="2374900"/>
             <a:chOff x="2065" y="1496"/>
             <a:chExt cx="1498" cy="1496"/>
@@ -18437,7 +18437,7 @@
         </p:nvSpPr>
         <p:spPr bwMode="gray">
           <a:xfrm>
-            <a:off x="5248652" y="2577632"/>
+            <a:off x="5248652" y="2767415"/>
             <a:ext cx="1694695" cy="1200329"/>
           </a:xfrm>
           <a:prstGeom prst="rect">
@@ -18538,7 +18538,7 @@
         </p:nvSpPr>
         <p:spPr bwMode="gray">
           <a:xfrm>
-            <a:off x="3073123" y="3072657"/>
+            <a:off x="3073123" y="3262440"/>
             <a:ext cx="715260" cy="400110"/>
           </a:xfrm>
           <a:prstGeom prst="rect">
@@ -18611,7 +18611,7 @@
         </p:nvSpPr>
         <p:spPr bwMode="gray">
           <a:xfrm>
-            <a:off x="4226393" y="5298332"/>
+            <a:off x="4226393" y="5488115"/>
             <a:ext cx="898003" cy="400110"/>
           </a:xfrm>
           <a:prstGeom prst="rect">
@@ -18684,7 +18684,7 @@
         </p:nvGrpSpPr>
         <p:grpSpPr bwMode="auto">
           <a:xfrm>
-            <a:off x="8034061" y="2478932"/>
+            <a:off x="8034061" y="2668715"/>
             <a:ext cx="1439862" cy="1439863"/>
             <a:chOff x="2789" y="1625"/>
             <a:chExt cx="907" cy="907"/>
@@ -19402,7 +19402,7 @@
         </p:nvSpPr>
         <p:spPr bwMode="gray">
           <a:xfrm>
-            <a:off x="8389661" y="3012332"/>
+            <a:off x="8389661" y="3202115"/>
             <a:ext cx="769763" cy="400110"/>
           </a:xfrm>
           <a:prstGeom prst="rect">
@@ -19475,7 +19475,7 @@
         </p:nvGrpSpPr>
         <p:grpSpPr bwMode="auto">
           <a:xfrm>
-            <a:off x="6959323" y="4612532"/>
+            <a:off x="6959323" y="4802315"/>
             <a:ext cx="1446213" cy="1524000"/>
             <a:chOff x="884" y="2523"/>
             <a:chExt cx="862" cy="862"/>
@@ -20170,7 +20170,7 @@
         </p:nvSpPr>
         <p:spPr bwMode="gray">
           <a:xfrm>
-            <a:off x="7284340" y="5206257"/>
+            <a:off x="7284340" y="5396040"/>
             <a:ext cx="808235" cy="400110"/>
           </a:xfrm>
           <a:prstGeom prst="rect">
@@ -21227,7 +21227,7 @@
         </p:nvSpPr>
         <p:spPr>
           <a:xfrm>
-            <a:off x="1069848" y="-194845"/>
+            <a:off x="1069848" y="12191"/>
             <a:ext cx="10058400" cy="1609344"/>
           </a:xfrm>
         </p:spPr>
@@ -21778,7 +21778,7 @@
         </p:nvSpPr>
         <p:spPr>
           <a:xfrm>
-            <a:off x="1069848" y="-91761"/>
+            <a:off x="1066800" y="86265"/>
             <a:ext cx="10058400" cy="1609344"/>
           </a:xfrm>
         </p:spPr>
@@ -24572,7 +24572,7 @@
         </p:nvSpPr>
         <p:spPr>
           <a:xfrm>
-            <a:off x="1069848" y="-59677"/>
+            <a:off x="1069848" y="112853"/>
             <a:ext cx="10058400" cy="1609344"/>
           </a:xfrm>
         </p:spPr>
@@ -24624,7 +24624,7 @@
         </p:blipFill>
         <p:spPr>
           <a:xfrm>
-            <a:off x="1519025" y="1629524"/>
+            <a:off x="1519025" y="1698536"/>
             <a:ext cx="9309394" cy="4915655"/>
           </a:xfrm>
           <a:prstGeom prst="rect">
@@ -30628,7 +30628,7 @@
         </p:nvSpPr>
         <p:spPr>
           <a:xfrm>
-            <a:off x="1069848" y="0"/>
+            <a:off x="1069848" y="224289"/>
             <a:ext cx="10058400" cy="966216"/>
           </a:xfrm>
         </p:spPr>

--- a/Tesis/Tesis Duva Diapo.pptx
+++ b/Tesis/Tesis Duva Diapo.pptx
@@ -5,7 +5,7 @@
     <p:sldMasterId id="2147483814" r:id="rId1"/>
   </p:sldMasterIdLst>
   <p:notesMasterIdLst>
-    <p:notesMasterId r:id="rId25"/>
+    <p:notesMasterId r:id="rId26"/>
   </p:notesMasterIdLst>
   <p:sldIdLst>
     <p:sldId id="296" r:id="rId2"/>
@@ -28,9 +28,10 @@
     <p:sldId id="290" r:id="rId19"/>
     <p:sldId id="304" r:id="rId20"/>
     <p:sldId id="307" r:id="rId21"/>
-    <p:sldId id="306" r:id="rId22"/>
-    <p:sldId id="292" r:id="rId23"/>
-    <p:sldId id="297" r:id="rId24"/>
+    <p:sldId id="308" r:id="rId22"/>
+    <p:sldId id="306" r:id="rId23"/>
+    <p:sldId id="292" r:id="rId24"/>
+    <p:sldId id="297" r:id="rId25"/>
   </p:sldIdLst>
   <p:sldSz cx="12192000" cy="6858000"/>
   <p:notesSz cx="6858000" cy="9144000"/>
@@ -3107,7 +3108,7 @@
           <a:p>
             <a:fld id="{855318E3-A54E-4A1B-925B-0B6BE85402D7}" type="datetimeFigureOut">
               <a:rPr lang="es-ES" smtClean="0"/>
-              <a:t>05/11/2022</a:t>
+              <a:t>06/11/2022</a:t>
             </a:fld>
             <a:endParaRPr lang="es-ES"/>
           </a:p>
@@ -3789,41 +3790,6 @@
               </a:solidFill>
               <a:latin typeface="Rockwell (Cuerpo)"/>
             </a:endParaRPr>
-          </a:p>
-          <a:p>
-            <a:pPr algn="just"/>
-            <a:r>
-              <a:rPr lang="es-MX" sz="1200" dirty="0">
-                <a:solidFill>
-                  <a:srgbClr val="000000"/>
-                </a:solidFill>
-                <a:latin typeface="Rockwell (Cuerpo)"/>
-              </a:rPr>
-              <a:t>El propósito de esta investigación es, además de facilitar el desarrollo de asistentes virtuales, potenciar el uso de los mismos mejorando sus capacidades de respuesta al interactuar con las personas.</a:t>
-            </a:r>
-            <a:endParaRPr lang="es-ES" sz="1200" dirty="0">
-              <a:latin typeface="Rockwell (Cuerpo)"/>
-            </a:endParaRPr>
-          </a:p>
-          <a:p>
-            <a:pPr marL="0" marR="0" lvl="0" indent="0" algn="just" defTabSz="914400" rtl="0" eaLnBrk="1" fontAlgn="auto" latinLnBrk="0" hangingPunct="1">
-              <a:lnSpc>
-                <a:spcPct val="100000"/>
-              </a:lnSpc>
-              <a:spcBef>
-                <a:spcPts val="0"/>
-              </a:spcBef>
-              <a:spcAft>
-                <a:spcPts val="0"/>
-              </a:spcAft>
-              <a:buClrTx/>
-              <a:buSzTx/>
-              <a:buFontTx/>
-              <a:buNone/>
-              <a:tabLst/>
-              <a:defRPr/>
-            </a:pPr>
-            <a:endParaRPr lang="es-ES" dirty="0"/>
           </a:p>
         </p:txBody>
       </p:sp>
@@ -5179,7 +5145,7 @@
           <a:p>
             <a:fld id="{B68655D5-7C77-493A-8D32-5357D2FC22A3}" type="datetimeFigureOut">
               <a:rPr lang="es-ES" smtClean="0"/>
-              <a:t>05/11/2022</a:t>
+              <a:t>06/11/2022</a:t>
             </a:fld>
             <a:endParaRPr lang="es-ES"/>
           </a:p>
@@ -5358,7 +5324,7 @@
           <a:p>
             <a:fld id="{B68655D5-7C77-493A-8D32-5357D2FC22A3}" type="datetimeFigureOut">
               <a:rPr lang="es-ES" smtClean="0"/>
-              <a:t>05/11/2022</a:t>
+              <a:t>06/11/2022</a:t>
             </a:fld>
             <a:endParaRPr lang="es-ES"/>
           </a:p>
@@ -5538,7 +5504,7 @@
           <a:p>
             <a:fld id="{B68655D5-7C77-493A-8D32-5357D2FC22A3}" type="datetimeFigureOut">
               <a:rPr lang="es-ES" smtClean="0"/>
-              <a:t>05/11/2022</a:t>
+              <a:t>06/11/2022</a:t>
             </a:fld>
             <a:endParaRPr lang="es-ES"/>
           </a:p>
@@ -5708,7 +5674,7 @@
           <a:p>
             <a:fld id="{B68655D5-7C77-493A-8D32-5357D2FC22A3}" type="datetimeFigureOut">
               <a:rPr lang="es-ES" smtClean="0"/>
-              <a:t>05/11/2022</a:t>
+              <a:t>06/11/2022</a:t>
             </a:fld>
             <a:endParaRPr lang="es-ES"/>
           </a:p>
@@ -6021,7 +5987,7 @@
           <a:p>
             <a:fld id="{B68655D5-7C77-493A-8D32-5357D2FC22A3}" type="datetimeFigureOut">
               <a:rPr lang="es-ES" smtClean="0"/>
-              <a:t>05/11/2022</a:t>
+              <a:t>06/11/2022</a:t>
             </a:fld>
             <a:endParaRPr lang="es-ES"/>
           </a:p>
@@ -6407,7 +6373,7 @@
           <a:p>
             <a:fld id="{B68655D5-7C77-493A-8D32-5357D2FC22A3}" type="datetimeFigureOut">
               <a:rPr lang="es-ES" smtClean="0"/>
-              <a:t>05/11/2022</a:t>
+              <a:t>06/11/2022</a:t>
             </a:fld>
             <a:endParaRPr lang="es-ES"/>
           </a:p>
@@ -6841,7 +6807,7 @@
           <a:p>
             <a:fld id="{B68655D5-7C77-493A-8D32-5357D2FC22A3}" type="datetimeFigureOut">
               <a:rPr lang="es-ES" smtClean="0"/>
-              <a:t>05/11/2022</a:t>
+              <a:t>06/11/2022</a:t>
             </a:fld>
             <a:endParaRPr lang="es-ES"/>
           </a:p>
@@ -6959,7 +6925,7 @@
           <a:p>
             <a:fld id="{B68655D5-7C77-493A-8D32-5357D2FC22A3}" type="datetimeFigureOut">
               <a:rPr lang="es-ES" smtClean="0"/>
-              <a:t>05/11/2022</a:t>
+              <a:t>06/11/2022</a:t>
             </a:fld>
             <a:endParaRPr lang="es-ES"/>
           </a:p>
@@ -7054,7 +7020,7 @@
           <a:p>
             <a:fld id="{B68655D5-7C77-493A-8D32-5357D2FC22A3}" type="datetimeFigureOut">
               <a:rPr lang="es-ES" smtClean="0"/>
-              <a:t>05/11/2022</a:t>
+              <a:t>06/11/2022</a:t>
             </a:fld>
             <a:endParaRPr lang="es-ES"/>
           </a:p>
@@ -7404,7 +7370,7 @@
           <a:p>
             <a:fld id="{B68655D5-7C77-493A-8D32-5357D2FC22A3}" type="datetimeFigureOut">
               <a:rPr lang="es-ES" smtClean="0"/>
-              <a:t>05/11/2022</a:t>
+              <a:t>06/11/2022</a:t>
             </a:fld>
             <a:endParaRPr lang="es-ES"/>
           </a:p>
@@ -7829,7 +7795,7 @@
           <a:p>
             <a:fld id="{B68655D5-7C77-493A-8D32-5357D2FC22A3}" type="datetimeFigureOut">
               <a:rPr lang="es-ES" smtClean="0"/>
-              <a:t>05/11/2022</a:t>
+              <a:t>06/11/2022</a:t>
             </a:fld>
             <a:endParaRPr lang="es-ES"/>
           </a:p>
@@ -8110,7 +8076,7 @@
           <a:p>
             <a:fld id="{B68655D5-7C77-493A-8D32-5357D2FC22A3}" type="datetimeFigureOut">
               <a:rPr lang="es-ES" smtClean="0"/>
-              <a:t>05/11/2022</a:t>
+              <a:t>06/11/2022</a:t>
             </a:fld>
             <a:endParaRPr lang="es-ES"/>
           </a:p>
@@ -20577,15 +20543,7 @@
             </a:pPr>
             <a:r>
               <a:rPr lang="es-ES" dirty="0"/>
-              <a:t>¿Quién </a:t>
-            </a:r>
-            <a:r>
-              <a:rPr lang="es-ES" u="sng" dirty="0"/>
-              <a:t>felicitó</a:t>
-            </a:r>
-            <a:r>
-              <a:rPr lang="es-ES" dirty="0"/>
-              <a:t> a la Universidad de Oriente?</a:t>
+              <a:t>¿Quién                     a la Universidad de Oriente?</a:t>
             </a:r>
           </a:p>
           <a:p>
@@ -20597,15 +20555,7 @@
             </a:pPr>
             <a:r>
               <a:rPr lang="es-ES" dirty="0"/>
-              <a:t>¿Quién es </a:t>
-            </a:r>
-            <a:r>
-              <a:rPr lang="es-ES" u="sng" dirty="0"/>
-              <a:t>Miguel Diaz Canel</a:t>
-            </a:r>
-            <a:r>
-              <a:rPr lang="es-ES" dirty="0"/>
-              <a:t>?</a:t>
+              <a:t>¿Quién es                                            ?</a:t>
             </a:r>
           </a:p>
           <a:p>
@@ -20617,15 +20567,7 @@
             </a:pPr>
             <a:r>
               <a:rPr lang="es-ES" dirty="0"/>
-              <a:t>¿Qué es </a:t>
-            </a:r>
-            <a:r>
-              <a:rPr lang="es-ES" u="sng" dirty="0"/>
-              <a:t>Santiago de Cuba</a:t>
-            </a:r>
-            <a:r>
-              <a:rPr lang="es-ES" dirty="0"/>
-              <a:t>?</a:t>
+              <a:t>¿Qué es                                        ?</a:t>
             </a:r>
           </a:p>
           <a:p>
@@ -20637,15 +20579,7 @@
             </a:pPr>
             <a:r>
               <a:rPr lang="es-ES" dirty="0"/>
-              <a:t>¿Dónde radica </a:t>
-            </a:r>
-            <a:r>
-              <a:rPr lang="es-ES" u="sng" dirty="0"/>
-              <a:t>Universidad de Oriente</a:t>
-            </a:r>
-            <a:r>
-              <a:rPr lang="es-ES" dirty="0"/>
-              <a:t>?</a:t>
+              <a:t>¿Dónde radica                                                    ?</a:t>
             </a:r>
           </a:p>
           <a:p>
@@ -20695,6 +20629,190 @@
               <a:rPr lang="es-ES" dirty="0"/>
               <a:t>15</a:t>
             </a:r>
+          </a:p>
+        </p:txBody>
+      </p:sp>
+      <p:sp>
+        <p:nvSpPr>
+          <p:cNvPr id="4" name="CuadroTexto 3">
+            <a:extLst>
+              <a:ext uri="{FF2B5EF4-FFF2-40B4-BE49-F238E27FC236}">
+                <a16:creationId xmlns:a16="http://schemas.microsoft.com/office/drawing/2014/main" id="{21E3695D-0A9F-39B8-D53C-B4F8C091BFE0}"/>
+              </a:ext>
+            </a:extLst>
+          </p:cNvPr>
+          <p:cNvSpPr txBox="1"/>
+          <p:nvPr/>
+        </p:nvSpPr>
+        <p:spPr>
+          <a:xfrm>
+            <a:off x="5641675" y="2976113"/>
+            <a:ext cx="914400" cy="914400"/>
+          </a:xfrm>
+          <a:prstGeom prst="rect">
+            <a:avLst/>
+          </a:prstGeom>
+          <a:noFill/>
+        </p:spPr>
+        <p:txBody>
+          <a:bodyPr wrap="square" rtlCol="0">
+            <a:spAutoFit/>
+          </a:bodyPr>
+          <a:lstStyle/>
+          <a:p>
+            <a:endParaRPr lang="es-ES" dirty="0"/>
+          </a:p>
+        </p:txBody>
+      </p:sp>
+      <p:sp>
+        <p:nvSpPr>
+          <p:cNvPr id="5" name="CuadroTexto 4">
+            <a:extLst>
+              <a:ext uri="{FF2B5EF4-FFF2-40B4-BE49-F238E27FC236}">
+                <a16:creationId xmlns:a16="http://schemas.microsoft.com/office/drawing/2014/main" id="{4F33EFA7-CA73-EC34-F44E-7118CEEA7004}"/>
+              </a:ext>
+            </a:extLst>
+          </p:cNvPr>
+          <p:cNvSpPr txBox="1"/>
+          <p:nvPr/>
+        </p:nvSpPr>
+        <p:spPr>
+          <a:xfrm>
+            <a:off x="2156689" y="4061260"/>
+            <a:ext cx="1138602" cy="400110"/>
+          </a:xfrm>
+          <a:prstGeom prst="rect">
+            <a:avLst/>
+          </a:prstGeom>
+          <a:solidFill>
+            <a:srgbClr val="FFC000"/>
+          </a:solidFill>
+        </p:spPr>
+        <p:txBody>
+          <a:bodyPr wrap="square" rtlCol="0">
+            <a:spAutoFit/>
+          </a:bodyPr>
+          <a:lstStyle/>
+          <a:p>
+            <a:r>
+              <a:rPr lang="es-ES" sz="2000" b="1" u="sng" dirty="0"/>
+              <a:t>felicitó</a:t>
+            </a:r>
+            <a:endParaRPr lang="es-ES" sz="2000" b="1" dirty="0"/>
+          </a:p>
+        </p:txBody>
+      </p:sp>
+      <p:sp>
+        <p:nvSpPr>
+          <p:cNvPr id="6" name="CuadroTexto 5">
+            <a:extLst>
+              <a:ext uri="{FF2B5EF4-FFF2-40B4-BE49-F238E27FC236}">
+                <a16:creationId xmlns:a16="http://schemas.microsoft.com/office/drawing/2014/main" id="{63F6E8A4-7D24-C651-DD3B-71A8FB60621E}"/>
+              </a:ext>
+            </a:extLst>
+          </p:cNvPr>
+          <p:cNvSpPr txBox="1"/>
+          <p:nvPr/>
+        </p:nvSpPr>
+        <p:spPr>
+          <a:xfrm>
+            <a:off x="2395353" y="4627730"/>
+            <a:ext cx="2642473" cy="400110"/>
+          </a:xfrm>
+          <a:prstGeom prst="rect">
+            <a:avLst/>
+          </a:prstGeom>
+          <a:solidFill>
+            <a:srgbClr val="FFC000"/>
+          </a:solidFill>
+        </p:spPr>
+        <p:txBody>
+          <a:bodyPr wrap="square" rtlCol="0">
+            <a:spAutoFit/>
+          </a:bodyPr>
+          <a:lstStyle/>
+          <a:p>
+            <a:r>
+              <a:rPr lang="es-ES" sz="2000" b="1" u="sng" dirty="0"/>
+              <a:t>Miguel Diaz Canel</a:t>
+            </a:r>
+            <a:endParaRPr lang="es-ES" sz="2000" b="1" dirty="0"/>
+          </a:p>
+        </p:txBody>
+      </p:sp>
+      <p:sp>
+        <p:nvSpPr>
+          <p:cNvPr id="7" name="CuadroTexto 6">
+            <a:extLst>
+              <a:ext uri="{FF2B5EF4-FFF2-40B4-BE49-F238E27FC236}">
+                <a16:creationId xmlns:a16="http://schemas.microsoft.com/office/drawing/2014/main" id="{B773F1A4-B20D-396B-C39D-975548120430}"/>
+              </a:ext>
+            </a:extLst>
+          </p:cNvPr>
+          <p:cNvSpPr txBox="1"/>
+          <p:nvPr/>
+        </p:nvSpPr>
+        <p:spPr>
+          <a:xfrm>
+            <a:off x="2208447" y="5200437"/>
+            <a:ext cx="2398059" cy="400110"/>
+          </a:xfrm>
+          <a:prstGeom prst="rect">
+            <a:avLst/>
+          </a:prstGeom>
+          <a:solidFill>
+            <a:srgbClr val="FFC000"/>
+          </a:solidFill>
+        </p:spPr>
+        <p:txBody>
+          <a:bodyPr wrap="square" rtlCol="0">
+            <a:spAutoFit/>
+          </a:bodyPr>
+          <a:lstStyle/>
+          <a:p>
+            <a:r>
+              <a:rPr lang="es-ES" sz="2000" b="1" u="sng" dirty="0"/>
+              <a:t>Santiago de Cuba</a:t>
+            </a:r>
+            <a:endParaRPr lang="es-ES" sz="2000" b="1" dirty="0"/>
+          </a:p>
+        </p:txBody>
+      </p:sp>
+      <p:sp>
+        <p:nvSpPr>
+          <p:cNvPr id="8" name="CuadroTexto 7">
+            <a:extLst>
+              <a:ext uri="{FF2B5EF4-FFF2-40B4-BE49-F238E27FC236}">
+                <a16:creationId xmlns:a16="http://schemas.microsoft.com/office/drawing/2014/main" id="{9E3D80CF-CB7A-E22E-B033-30BF8440DB61}"/>
+              </a:ext>
+            </a:extLst>
+          </p:cNvPr>
+          <p:cNvSpPr txBox="1"/>
+          <p:nvPr/>
+        </p:nvSpPr>
+        <p:spPr>
+          <a:xfrm>
+            <a:off x="2903161" y="5812616"/>
+            <a:ext cx="3192839" cy="400110"/>
+          </a:xfrm>
+          <a:prstGeom prst="rect">
+            <a:avLst/>
+          </a:prstGeom>
+          <a:solidFill>
+            <a:srgbClr val="FFC000"/>
+          </a:solidFill>
+        </p:spPr>
+        <p:txBody>
+          <a:bodyPr wrap="square" rtlCol="0">
+            <a:spAutoFit/>
+          </a:bodyPr>
+          <a:lstStyle/>
+          <a:p>
+            <a:r>
+              <a:rPr lang="es-ES" sz="2000" b="1" u="sng" dirty="0"/>
+              <a:t>Universidad de Oriente</a:t>
+            </a:r>
+            <a:endParaRPr lang="es-ES" sz="2000" b="1" dirty="0"/>
           </a:p>
         </p:txBody>
       </p:sp>
@@ -20941,7 +21059,7 @@
                             </p:stCondLst>
                             <p:childTnLst>
                               <p:par>
-                                <p:cTn id="25" presetID="10" presetClass="entr" presetSubtype="0" fill="hold" nodeType="clickEffect">
+                                <p:cTn id="25" presetID="10" presetClass="entr" presetSubtype="0" fill="hold" grpId="0" nodeType="clickEffect">
                                   <p:stCondLst>
                                     <p:cond delay="0"/>
                                   </p:stCondLst>
@@ -20954,11 +21072,7 @@
                                           </p:stCondLst>
                                         </p:cTn>
                                         <p:tgtEl>
-                                          <p:spTgt spid="3">
-                                            <p:txEl>
-                                              <p:pRg st="1" end="1"/>
-                                            </p:txEl>
-                                          </p:spTgt>
+                                          <p:spTgt spid="5"/>
                                         </p:tgtEl>
                                         <p:attrNameLst>
                                           <p:attrName>style.visibility</p:attrName>
@@ -20972,36 +21086,46 @@
                                       <p:cBhvr>
                                         <p:cTn id="27" dur="500"/>
                                         <p:tgtEl>
-                                          <p:spTgt spid="3">
-                                            <p:txEl>
-                                              <p:pRg st="1" end="1"/>
-                                            </p:txEl>
-                                          </p:spTgt>
+                                          <p:spTgt spid="5"/>
                                         </p:tgtEl>
                                       </p:cBhvr>
                                     </p:animEffect>
                                   </p:childTnLst>
                                 </p:cTn>
                               </p:par>
+                            </p:childTnLst>
+                          </p:cTn>
+                        </p:par>
+                      </p:childTnLst>
+                    </p:cTn>
+                  </p:par>
+                  <p:par>
+                    <p:cTn id="28" fill="hold">
+                      <p:stCondLst>
+                        <p:cond delay="indefinite"/>
+                      </p:stCondLst>
+                      <p:childTnLst>
+                        <p:par>
+                          <p:cTn id="29" fill="hold">
+                            <p:stCondLst>
+                              <p:cond delay="0"/>
+                            </p:stCondLst>
+                            <p:childTnLst>
                               <p:par>
-                                <p:cTn id="28" presetID="10" presetClass="entr" presetSubtype="0" fill="hold" nodeType="withEffect">
+                                <p:cTn id="30" presetID="10" presetClass="entr" presetSubtype="0" fill="hold" grpId="0" nodeType="clickEffect">
                                   <p:stCondLst>
                                     <p:cond delay="0"/>
                                   </p:stCondLst>
                                   <p:childTnLst>
                                     <p:set>
                                       <p:cBhvr>
-                                        <p:cTn id="29" dur="1" fill="hold">
+                                        <p:cTn id="31" dur="1" fill="hold">
                                           <p:stCondLst>
                                             <p:cond delay="0"/>
                                           </p:stCondLst>
                                         </p:cTn>
                                         <p:tgtEl>
-                                          <p:spTgt spid="3">
-                                            <p:txEl>
-                                              <p:pRg st="2" end="2"/>
-                                            </p:txEl>
-                                          </p:spTgt>
+                                          <p:spTgt spid="6"/>
                                         </p:tgtEl>
                                         <p:attrNameLst>
                                           <p:attrName>style.visibility</p:attrName>
@@ -21013,38 +21137,48 @@
                                     </p:set>
                                     <p:animEffect transition="in" filter="fade">
                                       <p:cBhvr>
-                                        <p:cTn id="30" dur="500"/>
+                                        <p:cTn id="32" dur="500"/>
                                         <p:tgtEl>
-                                          <p:spTgt spid="3">
-                                            <p:txEl>
-                                              <p:pRg st="2" end="2"/>
-                                            </p:txEl>
-                                          </p:spTgt>
+                                          <p:spTgt spid="6"/>
                                         </p:tgtEl>
                                       </p:cBhvr>
                                     </p:animEffect>
                                   </p:childTnLst>
                                 </p:cTn>
                               </p:par>
+                            </p:childTnLst>
+                          </p:cTn>
+                        </p:par>
+                      </p:childTnLst>
+                    </p:cTn>
+                  </p:par>
+                  <p:par>
+                    <p:cTn id="33" fill="hold">
+                      <p:stCondLst>
+                        <p:cond delay="indefinite"/>
+                      </p:stCondLst>
+                      <p:childTnLst>
+                        <p:par>
+                          <p:cTn id="34" fill="hold">
+                            <p:stCondLst>
+                              <p:cond delay="0"/>
+                            </p:stCondLst>
+                            <p:childTnLst>
                               <p:par>
-                                <p:cTn id="31" presetID="10" presetClass="entr" presetSubtype="0" fill="hold" nodeType="withEffect">
+                                <p:cTn id="35" presetID="10" presetClass="entr" presetSubtype="0" fill="hold" grpId="0" nodeType="clickEffect">
                                   <p:stCondLst>
                                     <p:cond delay="0"/>
                                   </p:stCondLst>
                                   <p:childTnLst>
                                     <p:set>
                                       <p:cBhvr>
-                                        <p:cTn id="32" dur="1" fill="hold">
+                                        <p:cTn id="36" dur="1" fill="hold">
                                           <p:stCondLst>
                                             <p:cond delay="0"/>
                                           </p:stCondLst>
                                         </p:cTn>
                                         <p:tgtEl>
-                                          <p:spTgt spid="3">
-                                            <p:txEl>
-                                              <p:pRg st="3" end="3"/>
-                                            </p:txEl>
-                                          </p:spTgt>
+                                          <p:spTgt spid="7"/>
                                         </p:tgtEl>
                                         <p:attrNameLst>
                                           <p:attrName>style.visibility</p:attrName>
@@ -21056,38 +21190,48 @@
                                     </p:set>
                                     <p:animEffect transition="in" filter="fade">
                                       <p:cBhvr>
-                                        <p:cTn id="33" dur="500"/>
+                                        <p:cTn id="37" dur="500"/>
                                         <p:tgtEl>
-                                          <p:spTgt spid="3">
-                                            <p:txEl>
-                                              <p:pRg st="3" end="3"/>
-                                            </p:txEl>
-                                          </p:spTgt>
+                                          <p:spTgt spid="7"/>
                                         </p:tgtEl>
                                       </p:cBhvr>
                                     </p:animEffect>
                                   </p:childTnLst>
                                 </p:cTn>
                               </p:par>
+                            </p:childTnLst>
+                          </p:cTn>
+                        </p:par>
+                      </p:childTnLst>
+                    </p:cTn>
+                  </p:par>
+                  <p:par>
+                    <p:cTn id="38" fill="hold">
+                      <p:stCondLst>
+                        <p:cond delay="indefinite"/>
+                      </p:stCondLst>
+                      <p:childTnLst>
+                        <p:par>
+                          <p:cTn id="39" fill="hold">
+                            <p:stCondLst>
+                              <p:cond delay="0"/>
+                            </p:stCondLst>
+                            <p:childTnLst>
                               <p:par>
-                                <p:cTn id="34" presetID="10" presetClass="entr" presetSubtype="0" fill="hold" nodeType="withEffect">
+                                <p:cTn id="40" presetID="10" presetClass="entr" presetSubtype="0" fill="hold" grpId="0" nodeType="clickEffect">
                                   <p:stCondLst>
                                     <p:cond delay="0"/>
                                   </p:stCondLst>
                                   <p:childTnLst>
                                     <p:set>
                                       <p:cBhvr>
-                                        <p:cTn id="35" dur="1" fill="hold">
+                                        <p:cTn id="41" dur="1" fill="hold">
                                           <p:stCondLst>
                                             <p:cond delay="0"/>
                                           </p:stCondLst>
                                         </p:cTn>
                                         <p:tgtEl>
-                                          <p:spTgt spid="3">
-                                            <p:txEl>
-                                              <p:pRg st="4" end="4"/>
-                                            </p:txEl>
-                                          </p:spTgt>
+                                          <p:spTgt spid="8"/>
                                         </p:tgtEl>
                                         <p:attrNameLst>
                                           <p:attrName>style.visibility</p:attrName>
@@ -21099,56 +21243,9 @@
                                     </p:set>
                                     <p:animEffect transition="in" filter="fade">
                                       <p:cBhvr>
-                                        <p:cTn id="36" dur="500"/>
+                                        <p:cTn id="42" dur="500"/>
                                         <p:tgtEl>
-                                          <p:spTgt spid="3">
-                                            <p:txEl>
-                                              <p:pRg st="4" end="4"/>
-                                            </p:txEl>
-                                          </p:spTgt>
-                                        </p:tgtEl>
-                                      </p:cBhvr>
-                                    </p:animEffect>
-                                  </p:childTnLst>
-                                </p:cTn>
-                              </p:par>
-                              <p:par>
-                                <p:cTn id="37" presetID="10" presetClass="entr" presetSubtype="0" fill="hold" nodeType="withEffect">
-                                  <p:stCondLst>
-                                    <p:cond delay="0"/>
-                                  </p:stCondLst>
-                                  <p:childTnLst>
-                                    <p:set>
-                                      <p:cBhvr>
-                                        <p:cTn id="38" dur="1" fill="hold">
-                                          <p:stCondLst>
-                                            <p:cond delay="0"/>
-                                          </p:stCondLst>
-                                        </p:cTn>
-                                        <p:tgtEl>
-                                          <p:spTgt spid="3">
-                                            <p:txEl>
-                                              <p:pRg st="5" end="5"/>
-                                            </p:txEl>
-                                          </p:spTgt>
-                                        </p:tgtEl>
-                                        <p:attrNameLst>
-                                          <p:attrName>style.visibility</p:attrName>
-                                        </p:attrNameLst>
-                                      </p:cBhvr>
-                                      <p:to>
-                                        <p:strVal val="visible"/>
-                                      </p:to>
-                                    </p:set>
-                                    <p:animEffect transition="in" filter="fade">
-                                      <p:cBhvr>
-                                        <p:cTn id="39" dur="500"/>
-                                        <p:tgtEl>
-                                          <p:spTgt spid="3">
-                                            <p:txEl>
-                                              <p:pRg st="5" end="5"/>
-                                            </p:txEl>
-                                          </p:spTgt>
+                                          <p:spTgt spid="8"/>
                                         </p:tgtEl>
                                       </p:cBhvr>
                                     </p:animEffect>
@@ -21187,6 +21284,10 @@
       <p:bldP spid="10" grpId="0" animBg="1"/>
       <p:bldP spid="11" grpId="0" animBg="1"/>
       <p:bldP spid="12" grpId="0" animBg="1"/>
+      <p:bldP spid="5" grpId="0" animBg="1"/>
+      <p:bldP spid="6" grpId="0" animBg="1"/>
+      <p:bldP spid="7" grpId="0" animBg="1"/>
+      <p:bldP spid="8" grpId="0" animBg="1"/>
     </p:bldLst>
   </p:timing>
 </p:sld>
@@ -26794,6 +26895,198 @@
           <p:cNvPr id="2" name="Título 1">
             <a:extLst>
               <a:ext uri="{FF2B5EF4-FFF2-40B4-BE49-F238E27FC236}">
+                <a16:creationId xmlns:a16="http://schemas.microsoft.com/office/drawing/2014/main" id="{6672D9C5-3B71-DA34-C6C1-2106ADC171B0}"/>
+              </a:ext>
+            </a:extLst>
+          </p:cNvPr>
+          <p:cNvSpPr>
+            <a:spLocks noGrp="1"/>
+          </p:cNvSpPr>
+          <p:nvPr>
+            <p:ph type="title"/>
+          </p:nvPr>
+        </p:nvSpPr>
+        <p:spPr/>
+        <p:txBody>
+          <a:bodyPr/>
+          <a:lstStyle/>
+          <a:p>
+            <a:pPr algn="ctr"/>
+            <a:r>
+              <a:rPr lang="es-ES" dirty="0"/>
+              <a:t>interfaz</a:t>
+            </a:r>
+          </a:p>
+        </p:txBody>
+      </p:sp>
+      <p:pic>
+        <p:nvPicPr>
+          <p:cNvPr id="5" name="Imagen 4">
+            <a:extLst>
+              <a:ext uri="{FF2B5EF4-FFF2-40B4-BE49-F238E27FC236}">
+                <a16:creationId xmlns:a16="http://schemas.microsoft.com/office/drawing/2014/main" id="{221C38D9-CD17-E47F-DA9E-0340A797839D}"/>
+              </a:ext>
+            </a:extLst>
+          </p:cNvPr>
+          <p:cNvPicPr>
+            <a:picLocks noChangeAspect="1"/>
+          </p:cNvPicPr>
+          <p:nvPr/>
+        </p:nvPicPr>
+        <p:blipFill>
+          <a:blip r:embed="rId2">
+            <a:extLst>
+              <a:ext uri="{28A0092B-C50C-407E-A947-70E740481C1C}">
+                <a14:useLocalDpi xmlns:a14="http://schemas.microsoft.com/office/drawing/2010/main" val="0"/>
+              </a:ext>
+            </a:extLst>
+          </a:blip>
+          <a:stretch>
+            <a:fillRect/>
+          </a:stretch>
+        </p:blipFill>
+        <p:spPr>
+          <a:xfrm>
+            <a:off x="259510" y="2093976"/>
+            <a:ext cx="6607116" cy="3840998"/>
+          </a:xfrm>
+          <a:prstGeom prst="rect">
+            <a:avLst/>
+          </a:prstGeom>
+          <a:ln w="38100" cap="sq">
+            <a:solidFill>
+              <a:srgbClr val="000000"/>
+            </a:solidFill>
+            <a:prstDash val="solid"/>
+            <a:miter lim="800000"/>
+          </a:ln>
+          <a:effectLst>
+            <a:outerShdw blurRad="50800" dist="38100" dir="2700000" algn="tl" rotWithShape="0">
+              <a:srgbClr val="000000">
+                <a:alpha val="43000"/>
+              </a:srgbClr>
+            </a:outerShdw>
+          </a:effectLst>
+        </p:spPr>
+      </p:pic>
+      <p:pic>
+        <p:nvPicPr>
+          <p:cNvPr id="7" name="Imagen 6">
+            <a:extLst>
+              <a:ext uri="{FF2B5EF4-FFF2-40B4-BE49-F238E27FC236}">
+                <a16:creationId xmlns:a16="http://schemas.microsoft.com/office/drawing/2014/main" id="{DA9B765D-8CBD-A86B-09BB-A3C4FD201BDA}"/>
+              </a:ext>
+            </a:extLst>
+          </p:cNvPr>
+          <p:cNvPicPr>
+            <a:picLocks noChangeAspect="1"/>
+          </p:cNvPicPr>
+          <p:nvPr/>
+        </p:nvPicPr>
+        <p:blipFill>
+          <a:blip r:embed="rId3">
+            <a:extLst>
+              <a:ext uri="{28A0092B-C50C-407E-A947-70E740481C1C}">
+                <a14:useLocalDpi xmlns:a14="http://schemas.microsoft.com/office/drawing/2010/main" val="0"/>
+              </a:ext>
+            </a:extLst>
+          </a:blip>
+          <a:stretch>
+            <a:fillRect/>
+          </a:stretch>
+        </p:blipFill>
+        <p:spPr>
+          <a:xfrm>
+            <a:off x="7038347" y="2089664"/>
+            <a:ext cx="4814350" cy="3845310"/>
+          </a:xfrm>
+          <a:prstGeom prst="rect">
+            <a:avLst/>
+          </a:prstGeom>
+          <a:ln w="38100" cap="sq">
+            <a:solidFill>
+              <a:srgbClr val="000000"/>
+            </a:solidFill>
+            <a:prstDash val="solid"/>
+            <a:miter lim="800000"/>
+          </a:ln>
+          <a:effectLst>
+            <a:outerShdw blurRad="50800" dist="38100" dir="2700000" algn="tl" rotWithShape="0">
+              <a:srgbClr val="000000">
+                <a:alpha val="43000"/>
+              </a:srgbClr>
+            </a:outerShdw>
+          </a:effectLst>
+        </p:spPr>
+      </p:pic>
+      <p:sp>
+        <p:nvSpPr>
+          <p:cNvPr id="8" name="Marcador de número de diapositiva 6">
+            <a:extLst>
+              <a:ext uri="{FF2B5EF4-FFF2-40B4-BE49-F238E27FC236}">
+                <a16:creationId xmlns:a16="http://schemas.microsoft.com/office/drawing/2014/main" id="{3F2DFCDD-39B7-CA95-EF4F-A7AE704A5F4E}"/>
+              </a:ext>
+            </a:extLst>
+          </p:cNvPr>
+          <p:cNvSpPr>
+            <a:spLocks noGrp="1"/>
+          </p:cNvSpPr>
+          <p:nvPr>
+            <p:ph type="sldNum" sz="quarter" idx="12"/>
+          </p:nvPr>
+        </p:nvSpPr>
+        <p:spPr>
+          <a:xfrm>
+            <a:off x="11311128" y="6272784"/>
+            <a:ext cx="640080" cy="365125"/>
+          </a:xfrm>
+        </p:spPr>
+        <p:txBody>
+          <a:bodyPr/>
+          <a:lstStyle/>
+          <a:p>
+            <a:r>
+              <a:rPr lang="es-ES" dirty="0"/>
+              <a:t>20</a:t>
+            </a:r>
+          </a:p>
+        </p:txBody>
+      </p:sp>
+    </p:spTree>
+    <p:extLst>
+      <p:ext uri="{BB962C8B-B14F-4D97-AF65-F5344CB8AC3E}">
+        <p14:creationId xmlns:p14="http://schemas.microsoft.com/office/powerpoint/2010/main" val="1600348788"/>
+      </p:ext>
+    </p:extLst>
+  </p:cSld>
+  <p:clrMapOvr>
+    <a:masterClrMapping/>
+  </p:clrMapOvr>
+</p:sld>
+</file>
+
+<file path=ppt/slides/slide22.xml><?xml version="1.0" encoding="utf-8"?>
+<p:sld xmlns:a="http://schemas.openxmlformats.org/drawingml/2006/main" xmlns:r="http://schemas.openxmlformats.org/officeDocument/2006/relationships" xmlns:p="http://schemas.openxmlformats.org/presentationml/2006/main">
+  <p:cSld>
+    <p:spTree>
+      <p:nvGrpSpPr>
+        <p:cNvPr id="1" name=""/>
+        <p:cNvGrpSpPr/>
+        <p:nvPr/>
+      </p:nvGrpSpPr>
+      <p:grpSpPr>
+        <a:xfrm>
+          <a:off x="0" y="0"/>
+          <a:ext cx="0" cy="0"/>
+          <a:chOff x="0" y="0"/>
+          <a:chExt cx="0" cy="0"/>
+        </a:xfrm>
+      </p:grpSpPr>
+      <p:sp>
+        <p:nvSpPr>
+          <p:cNvPr id="2" name="Título 1">
+            <a:extLst>
+              <a:ext uri="{FF2B5EF4-FFF2-40B4-BE49-F238E27FC236}">
                 <a16:creationId xmlns:a16="http://schemas.microsoft.com/office/drawing/2014/main" id="{0833D8EB-EC21-62E9-63D5-E1EB2638B8F0}"/>
               </a:ext>
             </a:extLst>
@@ -26951,7 +27244,7 @@
           <a:p>
             <a:r>
               <a:rPr lang="es-ES" dirty="0"/>
-              <a:t>20</a:t>
+              <a:t>21</a:t>
             </a:r>
           </a:p>
         </p:txBody>
@@ -26969,7 +27262,7 @@
 </p:sld>
 </file>
 
-<file path=ppt/slides/slide22.xml><?xml version="1.0" encoding="utf-8"?>
+<file path=ppt/slides/slide23.xml><?xml version="1.0" encoding="utf-8"?>
 <p:sld xmlns:a="http://schemas.openxmlformats.org/drawingml/2006/main" xmlns:r="http://schemas.openxmlformats.org/officeDocument/2006/relationships" xmlns:p="http://schemas.openxmlformats.org/presentationml/2006/main">
   <p:cSld>
     <p:spTree>
@@ -27097,7 +27390,7 @@
           <a:p>
             <a:r>
               <a:rPr lang="es-ES" dirty="0"/>
-              <a:t>21</a:t>
+              <a:t>22</a:t>
             </a:r>
           </a:p>
         </p:txBody>
@@ -27115,7 +27408,7 @@
 </p:sld>
 </file>
 
-<file path=ppt/slides/slide23.xml><?xml version="1.0" encoding="utf-8"?>
+<file path=ppt/slides/slide24.xml><?xml version="1.0" encoding="utf-8"?>
 <p:sld xmlns:a="http://schemas.openxmlformats.org/drawingml/2006/main" xmlns:r="http://schemas.openxmlformats.org/officeDocument/2006/relationships" xmlns:p="http://schemas.openxmlformats.org/presentationml/2006/main">
   <p:cSld>
     <p:spTree>

--- a/Tesis/Tesis Duva Diapo.pptx
+++ b/Tesis/Tesis Duva Diapo.pptx
@@ -4058,14 +4058,16 @@
             </a:pPr>
             <a:r>
               <a:rPr lang="es-ES" dirty="0"/>
-              <a:t>La creación del conocimiento para poder contar con una Base de Conocimiento que sirva a los asistentes virtuales es un reto que puede resultar en costos en tiempo y recursos. El objetivo de esta investigación es, además de facilitar el desarrollo de asistentes virtuales de tal manera que resulte en minimizar costos, recursos y trabajo manual, es potenciar el uso de los mismos mejorando sus capacidades de respuesta.</a:t>
-            </a:r>
-            <a:endParaRPr lang="es-ES" dirty="0">
-              <a:latin typeface="Rockwell (Cuerpo)"/>
-              <a:cs typeface="Arial" panose="020B0604020202020204" pitchFamily="34" charset="0"/>
-            </a:endParaRPr>
-          </a:p>
-          <a:p>
+              <a:t>La creación del conocimiento para poder contar con una Base de Conocimiento que sirva a los asistentes virtuales es un reto que puede resultar en costos en tiempo y recursos. </a:t>
+            </a:r>
+            <a:r>
+              <a:rPr lang="es-ES" sz="1800">
+                <a:effectLst/>
+                <a:latin typeface="Arial" panose="020B0604020202020204" pitchFamily="34" charset="0"/>
+                <a:ea typeface="Calibri" panose="020F0502020204030204" pitchFamily="34" charset="0"/>
+              </a:rPr>
+              <a:t>El objetivo de esta investigación además de facilitar el desarrollo de asistentes virtuales y potenciar el uso de los mismos mejorando sus capacidades de respuesta, es construir su conocimiento de tal manera que resulte en minimizar costos, recursos, trabajo manual.</a:t>
+            </a:r>
             <a:endParaRPr lang="es-ES" dirty="0"/>
           </a:p>
         </p:txBody>
@@ -27166,56 +27168,6 @@
           </a:effectLst>
         </p:spPr>
       </p:pic>
-      <p:pic>
-        <p:nvPicPr>
-          <p:cNvPr id="3" name="Imagen 2">
-            <a:extLst>
-              <a:ext uri="{FF2B5EF4-FFF2-40B4-BE49-F238E27FC236}">
-                <a16:creationId xmlns:a16="http://schemas.microsoft.com/office/drawing/2014/main" id="{5642427C-241D-6842-D142-B7E9D160BE79}"/>
-              </a:ext>
-            </a:extLst>
-          </p:cNvPr>
-          <p:cNvPicPr>
-            <a:picLocks noChangeAspect="1"/>
-          </p:cNvPicPr>
-          <p:nvPr/>
-        </p:nvPicPr>
-        <p:blipFill>
-          <a:blip r:embed="rId3">
-            <a:extLst>
-              <a:ext uri="{28A0092B-C50C-407E-A947-70E740481C1C}">
-                <a14:useLocalDpi xmlns:a14="http://schemas.microsoft.com/office/drawing/2010/main" val="0"/>
-              </a:ext>
-            </a:extLst>
-          </a:blip>
-          <a:stretch>
-            <a:fillRect/>
-          </a:stretch>
-        </p:blipFill>
-        <p:spPr>
-          <a:xfrm>
-            <a:off x="6890459" y="1328860"/>
-            <a:ext cx="4635417" cy="4807998"/>
-          </a:xfrm>
-          <a:prstGeom prst="rect">
-            <a:avLst/>
-          </a:prstGeom>
-          <a:ln w="38100" cap="sq">
-            <a:solidFill>
-              <a:srgbClr val="000000"/>
-            </a:solidFill>
-            <a:prstDash val="solid"/>
-            <a:miter lim="800000"/>
-          </a:ln>
-          <a:effectLst>
-            <a:outerShdw blurRad="50800" dist="38100" dir="2700000" algn="tl" rotWithShape="0">
-              <a:srgbClr val="000000">
-                <a:alpha val="43000"/>
-              </a:srgbClr>
-            </a:outerShdw>
-          </a:effectLst>
-        </p:spPr>
-      </p:pic>
       <p:sp>
         <p:nvSpPr>
           <p:cNvPr id="4" name="Marcador de número de diapositiva 6">
@@ -27245,6 +27197,125 @@
             <a:r>
               <a:rPr lang="es-ES" dirty="0"/>
               <a:t>21</a:t>
+            </a:r>
+          </a:p>
+        </p:txBody>
+      </p:sp>
+      <p:sp>
+        <p:nvSpPr>
+          <p:cNvPr id="6" name="CuadroTexto 5">
+            <a:extLst>
+              <a:ext uri="{FF2B5EF4-FFF2-40B4-BE49-F238E27FC236}">
+                <a16:creationId xmlns:a16="http://schemas.microsoft.com/office/drawing/2014/main" id="{3C9844CA-C5C3-B0CA-5774-275E4C3BA63E}"/>
+              </a:ext>
+            </a:extLst>
+          </p:cNvPr>
+          <p:cNvSpPr txBox="1"/>
+          <p:nvPr/>
+        </p:nvSpPr>
+        <p:spPr>
+          <a:xfrm>
+            <a:off x="6828503" y="1830300"/>
+            <a:ext cx="4940710" cy="3970318"/>
+          </a:xfrm>
+          <a:prstGeom prst="rect">
+            <a:avLst/>
+          </a:prstGeom>
+          <a:solidFill>
+            <a:schemeClr val="bg1">
+              <a:lumMod val="95000"/>
+            </a:schemeClr>
+          </a:solidFill>
+        </p:spPr>
+        <p:style>
+          <a:lnRef idx="2">
+            <a:schemeClr val="accent5"/>
+          </a:lnRef>
+          <a:fillRef idx="1">
+            <a:schemeClr val="lt1"/>
+          </a:fillRef>
+          <a:effectRef idx="0">
+            <a:schemeClr val="accent5"/>
+          </a:effectRef>
+          <a:fontRef idx="minor">
+            <a:schemeClr val="dk1"/>
+          </a:fontRef>
+        </p:style>
+        <p:txBody>
+          <a:bodyPr wrap="square" rtlCol="0">
+            <a:spAutoFit/>
+          </a:bodyPr>
+          <a:lstStyle/>
+          <a:p>
+            <a:pPr algn="ctr"/>
+            <a:r>
+              <a:rPr lang="es-ES" dirty="0"/>
+              <a:t>Ejemplos de Uso</a:t>
+            </a:r>
+          </a:p>
+          <a:p>
+            <a:pPr algn="ctr"/>
+            <a:endParaRPr lang="es-ES" dirty="0"/>
+          </a:p>
+          <a:p>
+            <a:pPr marL="285750" indent="-285750" algn="ctr">
+              <a:buFont typeface="Wingdings" panose="05000000000000000000" pitchFamily="2" charset="2"/>
+              <a:buChar char="§"/>
+            </a:pPr>
+            <a:r>
+              <a:rPr lang="es-ES" dirty="0"/>
+              <a:t>Brindar información sobre una nueva ley de gobierno que se adopte.</a:t>
+            </a:r>
+          </a:p>
+          <a:p>
+            <a:pPr marL="285750" indent="-285750" algn="ctr">
+              <a:buFont typeface="Wingdings" panose="05000000000000000000" pitchFamily="2" charset="2"/>
+              <a:buChar char="§"/>
+            </a:pPr>
+            <a:endParaRPr lang="es-ES" dirty="0"/>
+          </a:p>
+          <a:p>
+            <a:pPr marL="285750" indent="-285750" algn="ctr">
+              <a:buFont typeface="Wingdings" panose="05000000000000000000" pitchFamily="2" charset="2"/>
+              <a:buChar char="§"/>
+            </a:pPr>
+            <a:r>
+              <a:rPr lang="es-ES" dirty="0"/>
+              <a:t>Brindar información sobre servicios de determinado sector (estatal o privado).</a:t>
+            </a:r>
+          </a:p>
+          <a:p>
+            <a:pPr marL="285750" indent="-285750" algn="ctr">
+              <a:buFont typeface="Wingdings" panose="05000000000000000000" pitchFamily="2" charset="2"/>
+              <a:buChar char="§"/>
+            </a:pPr>
+            <a:endParaRPr lang="es-ES" dirty="0"/>
+          </a:p>
+          <a:p>
+            <a:pPr marL="285750" indent="-285750" algn="ctr">
+              <a:buFont typeface="Wingdings" panose="05000000000000000000" pitchFamily="2" charset="2"/>
+              <a:buChar char="§"/>
+            </a:pPr>
+            <a:r>
+              <a:rPr lang="es-ES" dirty="0"/>
+              <a:t>Orientar a la población sobre temas de interés como salud, educación.</a:t>
+            </a:r>
+          </a:p>
+          <a:p>
+            <a:pPr marL="285750" indent="-285750" algn="ctr">
+              <a:buFont typeface="Wingdings" panose="05000000000000000000" pitchFamily="2" charset="2"/>
+              <a:buChar char="§"/>
+            </a:pPr>
+            <a:endParaRPr lang="es-ES" dirty="0"/>
+          </a:p>
+          <a:p>
+            <a:pPr marL="285750" indent="-285750" algn="ctr">
+              <a:buFont typeface="Wingdings" panose="05000000000000000000" pitchFamily="2" charset="2"/>
+              <a:buChar char="§"/>
+            </a:pPr>
+            <a:r>
+              <a:rPr lang="es-ES" dirty="0"/>
+              <a:t>Atender o dar respuesta a problemas comunes de la población en determinada esfera de la vida cotidiana.</a:t>
             </a:r>
           </a:p>
         </p:txBody>
